--- a/slides/Unit20_C Preprocessing.pptx
+++ b/slides/Unit20_C Preprocessing.pptx
@@ -3889,7 +3889,7 @@
   <pc:docChgLst>
     <pc:chgData name="Zhao Jin" userId="cd05a825-544c-438a-9ba1-08e63db50b47" providerId="ADAL" clId="{8B992D7B-B2F5-489C-9EBA-D7AA4DE45278}"/>
     <pc:docChg chg="undo redo custSel addSld delSld modSld sldOrd modMainMaster">
-      <pc:chgData name="Zhao Jin" userId="cd05a825-544c-438a-9ba1-08e63db50b47" providerId="ADAL" clId="{8B992D7B-B2F5-489C-9EBA-D7AA4DE45278}" dt="2021-03-10T06:34:16.764" v="3435" actId="47"/>
+      <pc:chgData name="Zhao Jin" userId="cd05a825-544c-438a-9ba1-08e63db50b47" providerId="ADAL" clId="{8B992D7B-B2F5-489C-9EBA-D7AA4DE45278}" dt="2021-03-15T03:19:35.164" v="3437" actId="207"/>
       <pc:docMkLst>
         <pc:docMk/>
       </pc:docMkLst>
@@ -4711,7 +4711,7 @@
         </pc:cxnChg>
       </pc:sldChg>
       <pc:sldChg chg="addSp delSp modSp add mod modAnim">
-        <pc:chgData name="Zhao Jin" userId="cd05a825-544c-438a-9ba1-08e63db50b47" providerId="ADAL" clId="{8B992D7B-B2F5-489C-9EBA-D7AA4DE45278}" dt="2021-03-10T06:20:29.361" v="2445" actId="20577"/>
+        <pc:chgData name="Zhao Jin" userId="cd05a825-544c-438a-9ba1-08e63db50b47" providerId="ADAL" clId="{8B992D7B-B2F5-489C-9EBA-D7AA4DE45278}" dt="2021-03-15T03:19:35.164" v="3437" actId="207"/>
         <pc:sldMkLst>
           <pc:docMk/>
           <pc:sldMk cId="167291195" sldId="647"/>
@@ -4725,7 +4725,7 @@
           </ac:spMkLst>
         </pc:spChg>
         <pc:spChg chg="mod">
-          <ac:chgData name="Zhao Jin" userId="cd05a825-544c-438a-9ba1-08e63db50b47" providerId="ADAL" clId="{8B992D7B-B2F5-489C-9EBA-D7AA4DE45278}" dt="2021-03-10T06:20:29.361" v="2445" actId="20577"/>
+          <ac:chgData name="Zhao Jin" userId="cd05a825-544c-438a-9ba1-08e63db50b47" providerId="ADAL" clId="{8B992D7B-B2F5-489C-9EBA-D7AA4DE45278}" dt="2021-03-15T03:19:35.164" v="3437" actId="207"/>
           <ac:spMkLst>
             <pc:docMk/>
             <pc:sldMk cId="167291195" sldId="647"/>
@@ -10314,7 +10314,7 @@
               <a:pPr>
                 <a:defRPr/>
               </a:pPr>
-              <a:t>3/10/2021</a:t>
+              <a:t>3/15/2021</a:t>
             </a:fld>
             <a:endParaRPr lang="en-US" dirty="0"/>
           </a:p>
@@ -23400,10 +23400,26 @@
             <a:r>
               <a:rPr lang="en-GB" dirty="0">
                 <a:solidFill>
+                  <a:srgbClr val="006600"/>
+                </a:solidFill>
+              </a:rPr>
+              <a:t>#define </a:t>
+            </a:r>
+            <a:r>
+              <a:rPr lang="en-GB" dirty="0">
+                <a:solidFill>
+                  <a:srgbClr val="0000FF"/>
+                </a:solidFill>
+              </a:rPr>
+              <a:t>BASE_FARE </a:t>
+            </a:r>
+            <a:r>
+              <a:rPr lang="en-GB" dirty="0">
+                <a:solidFill>
                   <a:srgbClr val="C00000"/>
                 </a:solidFill>
               </a:rPr>
-              <a:t>#define BASE_FARE 3.20</a:t>
+              <a:t>3.20</a:t>
             </a:r>
           </a:p>
           <a:p>
@@ -23427,12 +23443,32 @@
             <a:r>
               <a:rPr lang="it-IT" b="0" i="0" dirty="0">
                 <a:solidFill>
-                  <a:srgbClr val="C00000"/>
+                  <a:srgbClr val="006600"/>
                 </a:solidFill>
                 <a:effectLst/>
                 <a:latin typeface="Roboto Mono"/>
               </a:rPr>
-              <a:t>#define SQUARE(x) x*x</a:t>
+              <a:t>#define </a:t>
+            </a:r>
+            <a:r>
+              <a:rPr lang="it-IT" b="0" i="0" dirty="0">
+                <a:solidFill>
+                  <a:srgbClr val="0000FF"/>
+                </a:solidFill>
+                <a:effectLst/>
+                <a:latin typeface="Roboto Mono"/>
+              </a:rPr>
+              <a:t>SQUARE(x) </a:t>
+            </a:r>
+            <a:r>
+              <a:rPr lang="it-IT" b="0" i="0" dirty="0">
+                <a:solidFill>
+                  <a:srgbClr val="C00000"/>
+                </a:solidFill>
+                <a:effectLst/>
+                <a:latin typeface="Roboto Mono"/>
+              </a:rPr>
+              <a:t>x*x</a:t>
             </a:r>
             <a:endParaRPr lang="en-GB" dirty="0">
               <a:solidFill>
